--- a/accuracy-variants-results.pptx
+++ b/accuracy-variants-results.pptx
@@ -288,6 +288,7 @@
           <a:p>
             <a:fld id="{8F8631E1-EF5C-49DA-BEA2-DD9527DA32E7}" type="datetimeFigureOut">
               <a:rPr lang="fr-FR" smtClean="0"/>
+              <a:pPr/>
               <a:t>14/05/2022</a:t>
             </a:fld>
             <a:endParaRPr lang="fr-FR"/>
@@ -330,7 +331,8 @@
           <a:p>
             <a:fld id="{6C8E82AD-EA8F-4017-8029-19C6CBAEA979}" type="slidenum">
               <a:rPr lang="fr-FR" smtClean="0"/>
-              <a:t>‹N°›</a:t>
+              <a:pPr/>
+              <a:t>‹#›</a:t>
             </a:fld>
             <a:endParaRPr lang="fr-FR"/>
           </a:p>
@@ -339,7 +341,7 @@
     </p:spTree>
     <p:extLst>
       <p:ext uri="{BB962C8B-B14F-4D97-AF65-F5344CB8AC3E}">
-        <p14:creationId xmlns:p14="http://schemas.microsoft.com/office/powerpoint/2010/main" val="3118716203"/>
+        <p14:creationId xmlns:p14="http://schemas.microsoft.com/office/powerpoint/2010/main" xmlns="" val="3118716203"/>
       </p:ext>
     </p:extLst>
   </p:cSld>
@@ -458,6 +460,7 @@
           <a:p>
             <a:fld id="{8F8631E1-EF5C-49DA-BEA2-DD9527DA32E7}" type="datetimeFigureOut">
               <a:rPr lang="fr-FR" smtClean="0"/>
+              <a:pPr/>
               <a:t>14/05/2022</a:t>
             </a:fld>
             <a:endParaRPr lang="fr-FR"/>
@@ -500,7 +503,8 @@
           <a:p>
             <a:fld id="{6C8E82AD-EA8F-4017-8029-19C6CBAEA979}" type="slidenum">
               <a:rPr lang="fr-FR" smtClean="0"/>
-              <a:t>‹N°›</a:t>
+              <a:pPr/>
+              <a:t>‹#›</a:t>
             </a:fld>
             <a:endParaRPr lang="fr-FR"/>
           </a:p>
@@ -509,7 +513,7 @@
     </p:spTree>
     <p:extLst>
       <p:ext uri="{BB962C8B-B14F-4D97-AF65-F5344CB8AC3E}">
-        <p14:creationId xmlns:p14="http://schemas.microsoft.com/office/powerpoint/2010/main" val="3275973392"/>
+        <p14:creationId xmlns:p14="http://schemas.microsoft.com/office/powerpoint/2010/main" xmlns="" val="3275973392"/>
       </p:ext>
     </p:extLst>
   </p:cSld>
@@ -638,6 +642,7 @@
           <a:p>
             <a:fld id="{8F8631E1-EF5C-49DA-BEA2-DD9527DA32E7}" type="datetimeFigureOut">
               <a:rPr lang="fr-FR" smtClean="0"/>
+              <a:pPr/>
               <a:t>14/05/2022</a:t>
             </a:fld>
             <a:endParaRPr lang="fr-FR"/>
@@ -680,7 +685,8 @@
           <a:p>
             <a:fld id="{6C8E82AD-EA8F-4017-8029-19C6CBAEA979}" type="slidenum">
               <a:rPr lang="fr-FR" smtClean="0"/>
-              <a:t>‹N°›</a:t>
+              <a:pPr/>
+              <a:t>‹#›</a:t>
             </a:fld>
             <a:endParaRPr lang="fr-FR"/>
           </a:p>
@@ -689,7 +695,7 @@
     </p:spTree>
     <p:extLst>
       <p:ext uri="{BB962C8B-B14F-4D97-AF65-F5344CB8AC3E}">
-        <p14:creationId xmlns:p14="http://schemas.microsoft.com/office/powerpoint/2010/main" val="509703396"/>
+        <p14:creationId xmlns:p14="http://schemas.microsoft.com/office/powerpoint/2010/main" xmlns="" val="509703396"/>
       </p:ext>
     </p:extLst>
   </p:cSld>
@@ -808,6 +814,7 @@
           <a:p>
             <a:fld id="{8F8631E1-EF5C-49DA-BEA2-DD9527DA32E7}" type="datetimeFigureOut">
               <a:rPr lang="fr-FR" smtClean="0"/>
+              <a:pPr/>
               <a:t>14/05/2022</a:t>
             </a:fld>
             <a:endParaRPr lang="fr-FR"/>
@@ -850,7 +857,8 @@
           <a:p>
             <a:fld id="{6C8E82AD-EA8F-4017-8029-19C6CBAEA979}" type="slidenum">
               <a:rPr lang="fr-FR" smtClean="0"/>
-              <a:t>‹N°›</a:t>
+              <a:pPr/>
+              <a:t>‹#›</a:t>
             </a:fld>
             <a:endParaRPr lang="fr-FR"/>
           </a:p>
@@ -859,7 +867,7 @@
     </p:spTree>
     <p:extLst>
       <p:ext uri="{BB962C8B-B14F-4D97-AF65-F5344CB8AC3E}">
-        <p14:creationId xmlns:p14="http://schemas.microsoft.com/office/powerpoint/2010/main" val="4251145248"/>
+        <p14:creationId xmlns:p14="http://schemas.microsoft.com/office/powerpoint/2010/main" xmlns="" val="4251145248"/>
       </p:ext>
     </p:extLst>
   </p:cSld>
@@ -1054,6 +1062,7 @@
           <a:p>
             <a:fld id="{8F8631E1-EF5C-49DA-BEA2-DD9527DA32E7}" type="datetimeFigureOut">
               <a:rPr lang="fr-FR" smtClean="0"/>
+              <a:pPr/>
               <a:t>14/05/2022</a:t>
             </a:fld>
             <a:endParaRPr lang="fr-FR"/>
@@ -1096,7 +1105,8 @@
           <a:p>
             <a:fld id="{6C8E82AD-EA8F-4017-8029-19C6CBAEA979}" type="slidenum">
               <a:rPr lang="fr-FR" smtClean="0"/>
-              <a:t>‹N°›</a:t>
+              <a:pPr/>
+              <a:t>‹#›</a:t>
             </a:fld>
             <a:endParaRPr lang="fr-FR"/>
           </a:p>
@@ -1105,7 +1115,7 @@
     </p:spTree>
     <p:extLst>
       <p:ext uri="{BB962C8B-B14F-4D97-AF65-F5344CB8AC3E}">
-        <p14:creationId xmlns:p14="http://schemas.microsoft.com/office/powerpoint/2010/main" val="4158417630"/>
+        <p14:creationId xmlns:p14="http://schemas.microsoft.com/office/powerpoint/2010/main" xmlns="" val="4158417630"/>
       </p:ext>
     </p:extLst>
   </p:cSld>
@@ -1342,6 +1352,7 @@
           <a:p>
             <a:fld id="{8F8631E1-EF5C-49DA-BEA2-DD9527DA32E7}" type="datetimeFigureOut">
               <a:rPr lang="fr-FR" smtClean="0"/>
+              <a:pPr/>
               <a:t>14/05/2022</a:t>
             </a:fld>
             <a:endParaRPr lang="fr-FR"/>
@@ -1384,7 +1395,8 @@
           <a:p>
             <a:fld id="{6C8E82AD-EA8F-4017-8029-19C6CBAEA979}" type="slidenum">
               <a:rPr lang="fr-FR" smtClean="0"/>
-              <a:t>‹N°›</a:t>
+              <a:pPr/>
+              <a:t>‹#›</a:t>
             </a:fld>
             <a:endParaRPr lang="fr-FR"/>
           </a:p>
@@ -1393,7 +1405,7 @@
     </p:spTree>
     <p:extLst>
       <p:ext uri="{BB962C8B-B14F-4D97-AF65-F5344CB8AC3E}">
-        <p14:creationId xmlns:p14="http://schemas.microsoft.com/office/powerpoint/2010/main" val="3055384406"/>
+        <p14:creationId xmlns:p14="http://schemas.microsoft.com/office/powerpoint/2010/main" xmlns="" val="3055384406"/>
       </p:ext>
     </p:extLst>
   </p:cSld>
@@ -1764,6 +1776,7 @@
           <a:p>
             <a:fld id="{8F8631E1-EF5C-49DA-BEA2-DD9527DA32E7}" type="datetimeFigureOut">
               <a:rPr lang="fr-FR" smtClean="0"/>
+              <a:pPr/>
               <a:t>14/05/2022</a:t>
             </a:fld>
             <a:endParaRPr lang="fr-FR"/>
@@ -1806,7 +1819,8 @@
           <a:p>
             <a:fld id="{6C8E82AD-EA8F-4017-8029-19C6CBAEA979}" type="slidenum">
               <a:rPr lang="fr-FR" smtClean="0"/>
-              <a:t>‹N°›</a:t>
+              <a:pPr/>
+              <a:t>‹#›</a:t>
             </a:fld>
             <a:endParaRPr lang="fr-FR"/>
           </a:p>
@@ -1815,7 +1829,7 @@
     </p:spTree>
     <p:extLst>
       <p:ext uri="{BB962C8B-B14F-4D97-AF65-F5344CB8AC3E}">
-        <p14:creationId xmlns:p14="http://schemas.microsoft.com/office/powerpoint/2010/main" val="3820096940"/>
+        <p14:creationId xmlns:p14="http://schemas.microsoft.com/office/powerpoint/2010/main" xmlns="" val="3820096940"/>
       </p:ext>
     </p:extLst>
   </p:cSld>
@@ -1882,6 +1896,7 @@
           <a:p>
             <a:fld id="{8F8631E1-EF5C-49DA-BEA2-DD9527DA32E7}" type="datetimeFigureOut">
               <a:rPr lang="fr-FR" smtClean="0"/>
+              <a:pPr/>
               <a:t>14/05/2022</a:t>
             </a:fld>
             <a:endParaRPr lang="fr-FR"/>
@@ -1924,7 +1939,8 @@
           <a:p>
             <a:fld id="{6C8E82AD-EA8F-4017-8029-19C6CBAEA979}" type="slidenum">
               <a:rPr lang="fr-FR" smtClean="0"/>
-              <a:t>‹N°›</a:t>
+              <a:pPr/>
+              <a:t>‹#›</a:t>
             </a:fld>
             <a:endParaRPr lang="fr-FR"/>
           </a:p>
@@ -1933,7 +1949,7 @@
     </p:spTree>
     <p:extLst>
       <p:ext uri="{BB962C8B-B14F-4D97-AF65-F5344CB8AC3E}">
-        <p14:creationId xmlns:p14="http://schemas.microsoft.com/office/powerpoint/2010/main" val="263237882"/>
+        <p14:creationId xmlns:p14="http://schemas.microsoft.com/office/powerpoint/2010/main" xmlns="" val="263237882"/>
       </p:ext>
     </p:extLst>
   </p:cSld>
@@ -1977,6 +1993,7 @@
           <a:p>
             <a:fld id="{8F8631E1-EF5C-49DA-BEA2-DD9527DA32E7}" type="datetimeFigureOut">
               <a:rPr lang="fr-FR" smtClean="0"/>
+              <a:pPr/>
               <a:t>14/05/2022</a:t>
             </a:fld>
             <a:endParaRPr lang="fr-FR"/>
@@ -2019,7 +2036,8 @@
           <a:p>
             <a:fld id="{6C8E82AD-EA8F-4017-8029-19C6CBAEA979}" type="slidenum">
               <a:rPr lang="fr-FR" smtClean="0"/>
-              <a:t>‹N°›</a:t>
+              <a:pPr/>
+              <a:t>‹#›</a:t>
             </a:fld>
             <a:endParaRPr lang="fr-FR"/>
           </a:p>
@@ -2028,7 +2046,7 @@
     </p:spTree>
     <p:extLst>
       <p:ext uri="{BB962C8B-B14F-4D97-AF65-F5344CB8AC3E}">
-        <p14:creationId xmlns:p14="http://schemas.microsoft.com/office/powerpoint/2010/main" val="1844911751"/>
+        <p14:creationId xmlns:p14="http://schemas.microsoft.com/office/powerpoint/2010/main" xmlns="" val="1844911751"/>
       </p:ext>
     </p:extLst>
   </p:cSld>
@@ -2254,6 +2272,7 @@
           <a:p>
             <a:fld id="{8F8631E1-EF5C-49DA-BEA2-DD9527DA32E7}" type="datetimeFigureOut">
               <a:rPr lang="fr-FR" smtClean="0"/>
+              <a:pPr/>
               <a:t>14/05/2022</a:t>
             </a:fld>
             <a:endParaRPr lang="fr-FR"/>
@@ -2296,7 +2315,8 @@
           <a:p>
             <a:fld id="{6C8E82AD-EA8F-4017-8029-19C6CBAEA979}" type="slidenum">
               <a:rPr lang="fr-FR" smtClean="0"/>
-              <a:t>‹N°›</a:t>
+              <a:pPr/>
+              <a:t>‹#›</a:t>
             </a:fld>
             <a:endParaRPr lang="fr-FR"/>
           </a:p>
@@ -2305,7 +2325,7 @@
     </p:spTree>
     <p:extLst>
       <p:ext uri="{BB962C8B-B14F-4D97-AF65-F5344CB8AC3E}">
-        <p14:creationId xmlns:p14="http://schemas.microsoft.com/office/powerpoint/2010/main" val="853991443"/>
+        <p14:creationId xmlns:p14="http://schemas.microsoft.com/office/powerpoint/2010/main" xmlns="" val="853991443"/>
       </p:ext>
     </p:extLst>
   </p:cSld>
@@ -2507,6 +2527,7 @@
           <a:p>
             <a:fld id="{8F8631E1-EF5C-49DA-BEA2-DD9527DA32E7}" type="datetimeFigureOut">
               <a:rPr lang="fr-FR" smtClean="0"/>
+              <a:pPr/>
               <a:t>14/05/2022</a:t>
             </a:fld>
             <a:endParaRPr lang="fr-FR"/>
@@ -2549,7 +2570,8 @@
           <a:p>
             <a:fld id="{6C8E82AD-EA8F-4017-8029-19C6CBAEA979}" type="slidenum">
               <a:rPr lang="fr-FR" smtClean="0"/>
-              <a:t>‹N°›</a:t>
+              <a:pPr/>
+              <a:t>‹#›</a:t>
             </a:fld>
             <a:endParaRPr lang="fr-FR"/>
           </a:p>
@@ -2558,7 +2580,7 @@
     </p:spTree>
     <p:extLst>
       <p:ext uri="{BB962C8B-B14F-4D97-AF65-F5344CB8AC3E}">
-        <p14:creationId xmlns:p14="http://schemas.microsoft.com/office/powerpoint/2010/main" val="3984493056"/>
+        <p14:creationId xmlns:p14="http://schemas.microsoft.com/office/powerpoint/2010/main" xmlns="" val="3984493056"/>
       </p:ext>
     </p:extLst>
   </p:cSld>
@@ -2720,6 +2742,7 @@
           <a:p>
             <a:fld id="{8F8631E1-EF5C-49DA-BEA2-DD9527DA32E7}" type="datetimeFigureOut">
               <a:rPr lang="fr-FR" smtClean="0"/>
+              <a:pPr/>
               <a:t>14/05/2022</a:t>
             </a:fld>
             <a:endParaRPr lang="fr-FR"/>
@@ -2798,7 +2821,8 @@
           <a:p>
             <a:fld id="{6C8E82AD-EA8F-4017-8029-19C6CBAEA979}" type="slidenum">
               <a:rPr lang="fr-FR" smtClean="0"/>
-              <a:t>‹N°›</a:t>
+              <a:pPr/>
+              <a:t>‹#›</a:t>
             </a:fld>
             <a:endParaRPr lang="fr-FR"/>
           </a:p>
@@ -2807,7 +2831,7 @@
     </p:spTree>
     <p:extLst>
       <p:ext uri="{BB962C8B-B14F-4D97-AF65-F5344CB8AC3E}">
-        <p14:creationId xmlns:p14="http://schemas.microsoft.com/office/powerpoint/2010/main" val="1836736834"/>
+        <p14:creationId xmlns:p14="http://schemas.microsoft.com/office/powerpoint/2010/main" xmlns="" val="1836736834"/>
       </p:ext>
     </p:extLst>
   </p:cSld>
@@ -3100,7 +3124,7 @@
           <p:cNvPr id="4" name="Rectangle 3">
             <a:extLst>
               <a:ext uri="{FF2B5EF4-FFF2-40B4-BE49-F238E27FC236}">
-                <a16:creationId xmlns="" xmlns:a16="http://schemas.microsoft.com/office/drawing/2014/main" id="{FBDA51FD-60EE-4EB4-AF08-144EFA58C6C9}"/>
+                <a16:creationId xmlns:a16="http://schemas.microsoft.com/office/drawing/2014/main" xmlns="" id="{FBDA51FD-60EE-4EB4-AF08-144EFA58C6C9}"/>
               </a:ext>
             </a:extLst>
           </p:cNvPr>
@@ -3176,7 +3200,7 @@
           <p:nvPr>
             <p:extLst>
               <p:ext uri="{D42A27DB-BD31-4B8C-83A1-F6EECF244321}">
-                <p14:modId xmlns:p14="http://schemas.microsoft.com/office/powerpoint/2010/main" val="2498022194"/>
+                <p14:modId xmlns:p14="http://schemas.microsoft.com/office/powerpoint/2010/main" xmlns="" val="2498022194"/>
               </p:ext>
             </p:extLst>
           </p:nvPr>
@@ -3575,8 +3599,8 @@
                     <a:lstStyle/>
                     <a:p>
                       <a:r>
-                        <a:rPr lang="fr-FR" dirty="0" smtClean="0"/>
-                        <a:t>0,88</a:t>
+                        <a:rPr lang="fr-FR" smtClean="0"/>
+                        <a:t>0,9</a:t>
                       </a:r>
                       <a:endParaRPr lang="fr-FR" dirty="0"/>
                     </a:p>
@@ -3695,14 +3719,14 @@
                       <a:r>
                         <a:rPr lang="fr-FR" dirty="0" smtClean="0">
                           <a:solidFill>
-                            <a:srgbClr val="FF0000"/>
+                            <a:schemeClr val="tx1"/>
                           </a:solidFill>
                         </a:rPr>
-                        <a:t>……</a:t>
+                        <a:t>0.89</a:t>
                       </a:r>
                       <a:endParaRPr lang="fr-FR" dirty="0">
                         <a:solidFill>
-                          <a:srgbClr val="FF0000"/>
+                          <a:schemeClr val="tx1"/>
                         </a:solidFill>
                       </a:endParaRPr>
                     </a:p>
@@ -4050,11 +4074,6 @@
                         </a:rPr>
                         <a:t>0.88</a:t>
                       </a:r>
-                      <a:endParaRPr lang="fr-FR" dirty="0" smtClean="0">
-                        <a:solidFill>
-                          <a:schemeClr val="tx1"/>
-                        </a:solidFill>
-                      </a:endParaRPr>
                     </a:p>
                     <a:p>
                       <a:pPr marL="0" marR="0" indent="0" algn="l" defTabSz="914400" rtl="0" eaLnBrk="1" fontAlgn="auto" latinLnBrk="0" hangingPunct="1">
@@ -4112,11 +4131,16 @@
                       <a:r>
                         <a:rPr lang="fr-FR" dirty="0" smtClean="0">
                           <a:solidFill>
-                            <a:srgbClr val="FF0000"/>
+                            <a:schemeClr val="tx1"/>
                           </a:solidFill>
                         </a:rPr>
-                        <a:t>……</a:t>
-                      </a:r>
+                        <a:t>0.88</a:t>
+                      </a:r>
+                      <a:endParaRPr lang="fr-FR" dirty="0" smtClean="0">
+                        <a:solidFill>
+                          <a:schemeClr val="tx1"/>
+                        </a:solidFill>
+                      </a:endParaRPr>
                     </a:p>
                   </a:txBody>
                   <a:tcPr/>
@@ -4129,7 +4153,7 @@
     </p:spTree>
     <p:extLst>
       <p:ext uri="{BB962C8B-B14F-4D97-AF65-F5344CB8AC3E}">
-        <p14:creationId xmlns:p14="http://schemas.microsoft.com/office/powerpoint/2010/main" val="3781301885"/>
+        <p14:creationId xmlns:p14="http://schemas.microsoft.com/office/powerpoint/2010/main" xmlns="" val="3781301885"/>
       </p:ext>
     </p:extLst>
   </p:cSld>
